--- a/AboutMe/bioinformatics_environments.pptx
+++ b/AboutMe/bioinformatics_environments.pptx
@@ -5,7 +5,7 @@
     <p:sldMasterId id="2147483648" r:id="rId1"/>
   </p:sldMasterIdLst>
   <p:notesMasterIdLst>
-    <p:notesMasterId r:id="rId8"/>
+    <p:notesMasterId r:id="rId9"/>
   </p:notesMasterIdLst>
   <p:sldIdLst>
     <p:sldId id="256" r:id="rId2"/>
@@ -14,6 +14,7 @@
     <p:sldId id="258" r:id="rId5"/>
     <p:sldId id="318" r:id="rId6"/>
     <p:sldId id="259" r:id="rId7"/>
+    <p:sldId id="320" r:id="rId8"/>
   </p:sldIdLst>
   <p:sldSz cx="12192000" cy="6858000"/>
   <p:notesSz cx="6858000" cy="9144000"/>
@@ -112,6 +113,11 @@
       </a:defRPr>
     </a:lvl9pPr>
   </p:defaultTextStyle>
+  <p:extLst>
+    <p:ext uri="{EFAFB233-063F-42B5-8137-9DF3F51BA10A}">
+      <p15:sldGuideLst xmlns:p15="http://schemas.microsoft.com/office/powerpoint/2012/main"/>
+    </p:ext>
+  </p:extLst>
 </p:presentation>
 </file>
 
@@ -197,7 +203,7 @@
           <a:p>
             <a:fld id="{33481E9A-D658-4634-A60E-6F30D98FD7BE}" type="datetimeFigureOut">
               <a:rPr lang="en-US" smtClean="0"/>
-              <a:t>3/9/2020</a:t>
+              <a:t>3/12/2020</a:t>
             </a:fld>
             <a:endParaRPr lang="en-US"/>
           </a:p>
@@ -882,7 +888,7 @@
           <a:p>
             <a:fld id="{2D8D8A79-4A15-4B95-A533-D1C9543EE7DC}" type="datetimeFigureOut">
               <a:rPr lang="en-US" smtClean="0"/>
-              <a:t>3/9/2020</a:t>
+              <a:t>3/12/2020</a:t>
             </a:fld>
             <a:endParaRPr lang="en-US"/>
           </a:p>
@@ -1080,7 +1086,7 @@
           <a:p>
             <a:fld id="{2D8D8A79-4A15-4B95-A533-D1C9543EE7DC}" type="datetimeFigureOut">
               <a:rPr lang="en-US" smtClean="0"/>
-              <a:t>3/9/2020</a:t>
+              <a:t>3/12/2020</a:t>
             </a:fld>
             <a:endParaRPr lang="en-US"/>
           </a:p>
@@ -1288,7 +1294,7 @@
           <a:p>
             <a:fld id="{2D8D8A79-4A15-4B95-A533-D1C9543EE7DC}" type="datetimeFigureOut">
               <a:rPr lang="en-US" smtClean="0"/>
-              <a:t>3/9/2020</a:t>
+              <a:t>3/12/2020</a:t>
             </a:fld>
             <a:endParaRPr lang="en-US"/>
           </a:p>
@@ -1486,7 +1492,7 @@
           <a:p>
             <a:fld id="{2D8D8A79-4A15-4B95-A533-D1C9543EE7DC}" type="datetimeFigureOut">
               <a:rPr lang="en-US" smtClean="0"/>
-              <a:t>3/9/2020</a:t>
+              <a:t>3/12/2020</a:t>
             </a:fld>
             <a:endParaRPr lang="en-US"/>
           </a:p>
@@ -1761,7 +1767,7 @@
           <a:p>
             <a:fld id="{2D8D8A79-4A15-4B95-A533-D1C9543EE7DC}" type="datetimeFigureOut">
               <a:rPr lang="en-US" smtClean="0"/>
-              <a:t>3/9/2020</a:t>
+              <a:t>3/12/2020</a:t>
             </a:fld>
             <a:endParaRPr lang="en-US"/>
           </a:p>
@@ -2026,7 +2032,7 @@
           <a:p>
             <a:fld id="{2D8D8A79-4A15-4B95-A533-D1C9543EE7DC}" type="datetimeFigureOut">
               <a:rPr lang="en-US" smtClean="0"/>
-              <a:t>3/9/2020</a:t>
+              <a:t>3/12/2020</a:t>
             </a:fld>
             <a:endParaRPr lang="en-US"/>
           </a:p>
@@ -2438,7 +2444,7 @@
           <a:p>
             <a:fld id="{2D8D8A79-4A15-4B95-A533-D1C9543EE7DC}" type="datetimeFigureOut">
               <a:rPr lang="en-US" smtClean="0"/>
-              <a:t>3/9/2020</a:t>
+              <a:t>3/12/2020</a:t>
             </a:fld>
             <a:endParaRPr lang="en-US"/>
           </a:p>
@@ -2579,7 +2585,7 @@
           <a:p>
             <a:fld id="{2D8D8A79-4A15-4B95-A533-D1C9543EE7DC}" type="datetimeFigureOut">
               <a:rPr lang="en-US" smtClean="0"/>
-              <a:t>3/9/2020</a:t>
+              <a:t>3/12/2020</a:t>
             </a:fld>
             <a:endParaRPr lang="en-US"/>
           </a:p>
@@ -2692,7 +2698,7 @@
           <a:p>
             <a:fld id="{2D8D8A79-4A15-4B95-A533-D1C9543EE7DC}" type="datetimeFigureOut">
               <a:rPr lang="en-US" smtClean="0"/>
-              <a:t>3/9/2020</a:t>
+              <a:t>3/12/2020</a:t>
             </a:fld>
             <a:endParaRPr lang="en-US"/>
           </a:p>
@@ -3003,7 +3009,7 @@
           <a:p>
             <a:fld id="{2D8D8A79-4A15-4B95-A533-D1C9543EE7DC}" type="datetimeFigureOut">
               <a:rPr lang="en-US" smtClean="0"/>
-              <a:t>3/9/2020</a:t>
+              <a:t>3/12/2020</a:t>
             </a:fld>
             <a:endParaRPr lang="en-US"/>
           </a:p>
@@ -3291,7 +3297,7 @@
           <a:p>
             <a:fld id="{2D8D8A79-4A15-4B95-A533-D1C9543EE7DC}" type="datetimeFigureOut">
               <a:rPr lang="en-US" smtClean="0"/>
-              <a:t>3/9/2020</a:t>
+              <a:t>3/12/2020</a:t>
             </a:fld>
             <a:endParaRPr lang="en-US"/>
           </a:p>
@@ -3532,7 +3538,7 @@
           <a:p>
             <a:fld id="{2D8D8A79-4A15-4B95-A533-D1C9543EE7DC}" type="datetimeFigureOut">
               <a:rPr lang="en-US" smtClean="0"/>
-              <a:t>3/9/2020</a:t>
+              <a:t>3/12/2020</a:t>
             </a:fld>
             <a:endParaRPr lang="en-US"/>
           </a:p>
@@ -4521,11 +4527,13 @@
         <p:spPr>
           <a:xfrm>
             <a:off x="838200" y="1825625"/>
-            <a:ext cx="10515600" cy="2888615"/>
+            <a:ext cx="10515600" cy="4468297"/>
           </a:xfrm>
         </p:spPr>
         <p:txBody>
-          <a:bodyPr/>
+          <a:bodyPr>
+            <a:normAutofit/>
+          </a:bodyPr>
           <a:lstStyle/>
           <a:p>
             <a:r>
@@ -4569,6 +4577,28 @@
             <a:r>
               <a:rPr lang="en-US" dirty="0"/>
               <a:t> and docker image for bioinformatics analysis.</a:t>
+            </a:r>
+          </a:p>
+          <a:p>
+            <a:r>
+              <a:rPr lang="en-US" dirty="0"/>
+              <a:t>Some </a:t>
+            </a:r>
+            <a:r>
+              <a:rPr lang="en-US" dirty="0" err="1"/>
+              <a:t>Dockerfiles</a:t>
+            </a:r>
+            <a:r>
+              <a:rPr lang="en-US" dirty="0"/>
+              <a:t> that I created for </a:t>
+            </a:r>
+            <a:r>
+              <a:rPr lang="en-US" dirty="0" err="1"/>
+              <a:t>presenation</a:t>
+            </a:r>
+            <a:r>
+              <a:rPr lang="en-US" dirty="0"/>
+              <a:t>: https://github.com/Tiezhengyuan/Dockers_NextFlow/tree/master/docker</a:t>
             </a:r>
           </a:p>
         </p:txBody>
@@ -4577,6 +4607,111 @@
     <p:extLst>
       <p:ext uri="{BB962C8B-B14F-4D97-AF65-F5344CB8AC3E}">
         <p14:creationId xmlns:p14="http://schemas.microsoft.com/office/powerpoint/2010/main" val="3728091389"/>
+      </p:ext>
+    </p:extLst>
+  </p:cSld>
+  <p:clrMapOvr>
+    <a:masterClrMapping/>
+  </p:clrMapOvr>
+</p:sld>
+</file>
+
+<file path=ppt/slides/slide7.xml><?xml version="1.0" encoding="utf-8"?>
+<p:sld xmlns:a="http://schemas.openxmlformats.org/drawingml/2006/main" xmlns:r="http://schemas.openxmlformats.org/officeDocument/2006/relationships" xmlns:p="http://schemas.openxmlformats.org/presentationml/2006/main">
+  <p:cSld>
+    <p:spTree>
+      <p:nvGrpSpPr>
+        <p:cNvPr id="1" name=""/>
+        <p:cNvGrpSpPr/>
+        <p:nvPr/>
+      </p:nvGrpSpPr>
+      <p:grpSpPr>
+        <a:xfrm>
+          <a:off x="0" y="0"/>
+          <a:ext cx="0" cy="0"/>
+          <a:chOff x="0" y="0"/>
+          <a:chExt cx="0" cy="0"/>
+        </a:xfrm>
+      </p:grpSpPr>
+      <p:sp>
+        <p:nvSpPr>
+          <p:cNvPr id="2" name="Title 1">
+            <a:extLst>
+              <a:ext uri="{FF2B5EF4-FFF2-40B4-BE49-F238E27FC236}">
+                <a16:creationId xmlns:a16="http://schemas.microsoft.com/office/drawing/2014/main" id="{73B1416D-4B3E-44BA-A802-AD0A62C1C9A9}"/>
+              </a:ext>
+            </a:extLst>
+          </p:cNvPr>
+          <p:cNvSpPr>
+            <a:spLocks noGrp="1"/>
+          </p:cNvSpPr>
+          <p:nvPr>
+            <p:ph type="title"/>
+          </p:nvPr>
+        </p:nvSpPr>
+        <p:spPr/>
+        <p:txBody>
+          <a:bodyPr/>
+          <a:lstStyle/>
+          <a:p>
+            <a:pPr algn="ctr"/>
+            <a:r>
+              <a:rPr lang="en-US" dirty="0" err="1"/>
+              <a:t>Nextflow</a:t>
+            </a:r>
+            <a:endParaRPr lang="en-US" dirty="0"/>
+          </a:p>
+        </p:txBody>
+      </p:sp>
+      <p:sp>
+        <p:nvSpPr>
+          <p:cNvPr id="3" name="Content Placeholder 2">
+            <a:extLst>
+              <a:ext uri="{FF2B5EF4-FFF2-40B4-BE49-F238E27FC236}">
+                <a16:creationId xmlns:a16="http://schemas.microsoft.com/office/drawing/2014/main" id="{C542AA65-CA65-4770-92BE-050A253DE428}"/>
+              </a:ext>
+            </a:extLst>
+          </p:cNvPr>
+          <p:cNvSpPr>
+            <a:spLocks noGrp="1"/>
+          </p:cNvSpPr>
+          <p:nvPr>
+            <p:ph idx="1"/>
+          </p:nvPr>
+        </p:nvSpPr>
+        <p:spPr/>
+        <p:txBody>
+          <a:bodyPr/>
+          <a:lstStyle/>
+          <a:p>
+            <a:r>
+              <a:rPr lang="en-US" dirty="0"/>
+              <a:t>In terms of creating *.</a:t>
+            </a:r>
+            <a:r>
+              <a:rPr lang="en-US" dirty="0" err="1"/>
+              <a:t>nf</a:t>
+            </a:r>
+            <a:r>
+              <a:rPr lang="en-US" dirty="0"/>
+              <a:t> files, some example for uniting testing are presented at my </a:t>
+            </a:r>
+            <a:r>
+              <a:rPr lang="en-US" dirty="0" err="1"/>
+              <a:t>github</a:t>
+            </a:r>
+            <a:r>
+              <a:rPr lang="en-US"/>
+              <a:t>: https://github.com/Tiezhengyuan/Dockers_NextFlow/tree/master/nextflow</a:t>
+            </a:r>
+            <a:endParaRPr lang="en-US" dirty="0"/>
+          </a:p>
+        </p:txBody>
+      </p:sp>
+    </p:spTree>
+    <p:extLst>
+      <p:ext uri="{BB962C8B-B14F-4D97-AF65-F5344CB8AC3E}">
+        <p14:creationId xmlns:p14="http://schemas.microsoft.com/office/powerpoint/2010/main" val="2823603695"/>
       </p:ext>
     </p:extLst>
   </p:cSld>
